--- a/Java Урок 8 Масиви.pptx
+++ b/Java Урок 8 Масиви.pptx
@@ -17,8 +17,8 @@
     <p:sldId id="262" r:id="rId8"/>
     <p:sldId id="308" r:id="rId9"/>
     <p:sldId id="267" r:id="rId10"/>
-    <p:sldId id="268" r:id="rId11"/>
-    <p:sldId id="269" r:id="rId12"/>
+    <p:sldId id="269" r:id="rId11"/>
+    <p:sldId id="268" r:id="rId12"/>
     <p:sldId id="265" r:id="rId13"/>
     <p:sldId id="296" r:id="rId14"/>
     <p:sldId id="277" r:id="rId15"/>
@@ -219,7 +219,7 @@
           <a:p>
             <a:fld id="{02261D67-7100-44FE-A36F-9F5A28970F2C}" type="datetimeFigureOut">
               <a:rPr lang="uk-UA" smtClean="0"/>
-              <a:t>22.12.2023</a:t>
+              <a:t>27.12.2023</a:t>
             </a:fld>
             <a:endParaRPr lang="uk-UA"/>
           </a:p>
@@ -1328,7 +1328,7 @@
           <a:p>
             <a:fld id="{154528A8-C0A6-4093-B36F-1DD302790AAF}" type="datetimeFigureOut">
               <a:rPr lang="uk-UA" smtClean="0"/>
-              <a:t>22.12.2023</a:t>
+              <a:t>27.12.2023</a:t>
             </a:fld>
             <a:endParaRPr lang="uk-UA"/>
           </a:p>
@@ -1528,7 +1528,7 @@
           <a:p>
             <a:fld id="{154528A8-C0A6-4093-B36F-1DD302790AAF}" type="datetimeFigureOut">
               <a:rPr lang="uk-UA" smtClean="0"/>
-              <a:t>22.12.2023</a:t>
+              <a:t>27.12.2023</a:t>
             </a:fld>
             <a:endParaRPr lang="uk-UA"/>
           </a:p>
@@ -1738,7 +1738,7 @@
           <a:p>
             <a:fld id="{154528A8-C0A6-4093-B36F-1DD302790AAF}" type="datetimeFigureOut">
               <a:rPr lang="uk-UA" smtClean="0"/>
-              <a:t>22.12.2023</a:t>
+              <a:t>27.12.2023</a:t>
             </a:fld>
             <a:endParaRPr lang="uk-UA"/>
           </a:p>
@@ -1938,7 +1938,7 @@
           <a:p>
             <a:fld id="{154528A8-C0A6-4093-B36F-1DD302790AAF}" type="datetimeFigureOut">
               <a:rPr lang="uk-UA" smtClean="0"/>
-              <a:t>22.12.2023</a:t>
+              <a:t>27.12.2023</a:t>
             </a:fld>
             <a:endParaRPr lang="uk-UA"/>
           </a:p>
@@ -2214,7 +2214,7 @@
           <a:p>
             <a:fld id="{154528A8-C0A6-4093-B36F-1DD302790AAF}" type="datetimeFigureOut">
               <a:rPr lang="uk-UA" smtClean="0"/>
-              <a:t>22.12.2023</a:t>
+              <a:t>27.12.2023</a:t>
             </a:fld>
             <a:endParaRPr lang="uk-UA"/>
           </a:p>
@@ -2482,7 +2482,7 @@
           <a:p>
             <a:fld id="{154528A8-C0A6-4093-B36F-1DD302790AAF}" type="datetimeFigureOut">
               <a:rPr lang="uk-UA" smtClean="0"/>
-              <a:t>22.12.2023</a:t>
+              <a:t>27.12.2023</a:t>
             </a:fld>
             <a:endParaRPr lang="uk-UA"/>
           </a:p>
@@ -2897,7 +2897,7 @@
           <a:p>
             <a:fld id="{154528A8-C0A6-4093-B36F-1DD302790AAF}" type="datetimeFigureOut">
               <a:rPr lang="uk-UA" smtClean="0"/>
-              <a:t>22.12.2023</a:t>
+              <a:t>27.12.2023</a:t>
             </a:fld>
             <a:endParaRPr lang="uk-UA"/>
           </a:p>
@@ -3039,7 +3039,7 @@
           <a:p>
             <a:fld id="{154528A8-C0A6-4093-B36F-1DD302790AAF}" type="datetimeFigureOut">
               <a:rPr lang="uk-UA" smtClean="0"/>
-              <a:t>22.12.2023</a:t>
+              <a:t>27.12.2023</a:t>
             </a:fld>
             <a:endParaRPr lang="uk-UA"/>
           </a:p>
@@ -3152,7 +3152,7 @@
           <a:p>
             <a:fld id="{154528A8-C0A6-4093-B36F-1DD302790AAF}" type="datetimeFigureOut">
               <a:rPr lang="uk-UA" smtClean="0"/>
-              <a:t>22.12.2023</a:t>
+              <a:t>27.12.2023</a:t>
             </a:fld>
             <a:endParaRPr lang="uk-UA"/>
           </a:p>
@@ -3465,7 +3465,7 @@
           <a:p>
             <a:fld id="{154528A8-C0A6-4093-B36F-1DD302790AAF}" type="datetimeFigureOut">
               <a:rPr lang="uk-UA" smtClean="0"/>
-              <a:t>22.12.2023</a:t>
+              <a:t>27.12.2023</a:t>
             </a:fld>
             <a:endParaRPr lang="uk-UA"/>
           </a:p>
@@ -3754,7 +3754,7 @@
           <a:p>
             <a:fld id="{154528A8-C0A6-4093-B36F-1DD302790AAF}" type="datetimeFigureOut">
               <a:rPr lang="uk-UA" smtClean="0"/>
-              <a:t>22.12.2023</a:t>
+              <a:t>27.12.2023</a:t>
             </a:fld>
             <a:endParaRPr lang="uk-UA"/>
           </a:p>
@@ -3997,7 +3997,7 @@
           <a:p>
             <a:fld id="{154528A8-C0A6-4093-B36F-1DD302790AAF}" type="datetimeFigureOut">
               <a:rPr lang="uk-UA" smtClean="0"/>
-              <a:t>22.12.2023</a:t>
+              <a:t>27.12.2023</a:t>
             </a:fld>
             <a:endParaRPr lang="uk-UA"/>
           </a:p>
@@ -4515,6 +4515,454 @@
       </p:grpSpPr>
       <p:sp>
         <p:nvSpPr>
+          <p:cNvPr id="8194" name="Rectangle 2">
+            <a:extLst>
+              <a:ext uri="{FF2B5EF4-FFF2-40B4-BE49-F238E27FC236}">
+                <a16:creationId xmlns:a16="http://schemas.microsoft.com/office/drawing/2014/main" id="{9FDF2C70-BD51-49B6-B177-A690FA294194}"/>
+              </a:ext>
+            </a:extLst>
+          </p:cNvPr>
+          <p:cNvSpPr>
+            <a:spLocks noGrp="1" noChangeArrowheads="1"/>
+          </p:cNvSpPr>
+          <p:nvPr>
+            <p:ph type="title"/>
+          </p:nvPr>
+        </p:nvSpPr>
+        <p:spPr>
+          <a:xfrm>
+            <a:off x="0" y="0"/>
+            <a:ext cx="12192000" cy="490537"/>
+          </a:xfrm>
+        </p:spPr>
+        <p:txBody>
+          <a:bodyPr>
+            <a:noAutofit/>
+          </a:bodyPr>
+          <a:lstStyle/>
+          <a:p>
+            <a:pPr algn="ctr" eaLnBrk="1" hangingPunct="1"/>
+            <a:r>
+              <a:rPr lang="uk-UA" altLang="ru-RU" sz="4800" dirty="0">
+                <a:latin typeface="Times New Roman" panose="02020603050405020304" pitchFamily="18" charset="0"/>
+                <a:cs typeface="Times New Roman" panose="02020603050405020304" pitchFamily="18" charset="0"/>
+              </a:rPr>
+              <a:t>Ініціалізація двовимірних масивів</a:t>
+            </a:r>
+            <a:endParaRPr lang="ru-RU" altLang="ru-RU" sz="4800" dirty="0">
+              <a:latin typeface="Times New Roman" panose="02020603050405020304" pitchFamily="18" charset="0"/>
+              <a:cs typeface="Times New Roman" panose="02020603050405020304" pitchFamily="18" charset="0"/>
+            </a:endParaRPr>
+          </a:p>
+        </p:txBody>
+      </p:sp>
+      <p:sp>
+        <p:nvSpPr>
+          <p:cNvPr id="8195" name="Rectangle 3">
+            <a:extLst>
+              <a:ext uri="{FF2B5EF4-FFF2-40B4-BE49-F238E27FC236}">
+                <a16:creationId xmlns:a16="http://schemas.microsoft.com/office/drawing/2014/main" id="{A10F3A6D-820E-4C86-BEE2-21DDE4B53D92}"/>
+              </a:ext>
+            </a:extLst>
+          </p:cNvPr>
+          <p:cNvSpPr>
+            <a:spLocks noGrp="1" noChangeArrowheads="1"/>
+          </p:cNvSpPr>
+          <p:nvPr>
+            <p:ph type="body" idx="1"/>
+          </p:nvPr>
+        </p:nvSpPr>
+        <p:spPr>
+          <a:xfrm>
+            <a:off x="1774826" y="765176"/>
+            <a:ext cx="8569325" cy="5616575"/>
+          </a:xfrm>
+        </p:spPr>
+        <p:txBody>
+          <a:bodyPr/>
+          <a:lstStyle/>
+          <a:p>
+            <a:pPr marL="0" indent="0">
+              <a:lnSpc>
+                <a:spcPct val="80000"/>
+              </a:lnSpc>
+              <a:buNone/>
+            </a:pPr>
+            <a:r>
+              <a:rPr lang="uk-UA" altLang="ru-RU" sz="2400" dirty="0">
+                <a:latin typeface="Times New Roman" panose="02020603050405020304" pitchFamily="18" charset="0"/>
+                <a:cs typeface="Times New Roman" panose="02020603050405020304" pitchFamily="18" charset="0"/>
+              </a:rPr>
+              <a:t>Двовимірний масив також можна </a:t>
+            </a:r>
+            <a:r>
+              <a:rPr lang="uk-UA" altLang="ru-RU" sz="2400" dirty="0" err="1">
+                <a:latin typeface="Times New Roman" panose="02020603050405020304" pitchFamily="18" charset="0"/>
+                <a:cs typeface="Times New Roman" panose="02020603050405020304" pitchFamily="18" charset="0"/>
+              </a:rPr>
+              <a:t>ініціалізувати</a:t>
+            </a:r>
+            <a:r>
+              <a:rPr lang="uk-UA" altLang="ru-RU" sz="2400" dirty="0">
+                <a:latin typeface="Times New Roman" panose="02020603050405020304" pitchFamily="18" charset="0"/>
+                <a:cs typeface="Times New Roman" panose="02020603050405020304" pitchFamily="18" charset="0"/>
+              </a:rPr>
+              <a:t>, наприклад, таким чином:</a:t>
+            </a:r>
+          </a:p>
+          <a:p>
+            <a:pPr marL="0" indent="0">
+              <a:lnSpc>
+                <a:spcPct val="80000"/>
+              </a:lnSpc>
+              <a:buNone/>
+            </a:pPr>
+            <a:r>
+              <a:rPr lang="en-US" altLang="ru-RU" sz="2400" noProof="1">
+                <a:solidFill>
+                  <a:srgbClr val="0000FF"/>
+                </a:solidFill>
+                <a:latin typeface="Courier New" panose="02070309020205020404" pitchFamily="49" charset="0"/>
+              </a:rPr>
+              <a:t>int</a:t>
+            </a:r>
+            <a:r>
+              <a:rPr lang="en-US" altLang="ru-RU" sz="2400" noProof="1">
+                <a:latin typeface="Courier New" panose="02070309020205020404" pitchFamily="49" charset="0"/>
+              </a:rPr>
+              <a:t>[][] iArray = {</a:t>
+            </a:r>
+            <a:r>
+              <a:rPr lang="en-US" altLang="ru-RU" sz="2400" dirty="0">
+                <a:latin typeface="Courier New" panose="02070309020205020404" pitchFamily="49" charset="0"/>
+              </a:rPr>
+              <a:t> {</a:t>
+            </a:r>
+            <a:r>
+              <a:rPr lang="en-US" altLang="ru-RU" sz="2400" noProof="1">
+                <a:latin typeface="Courier New" panose="02070309020205020404" pitchFamily="49" charset="0"/>
+              </a:rPr>
+              <a:t>1, 2, 3</a:t>
+            </a:r>
+            <a:r>
+              <a:rPr lang="en-US" altLang="ru-RU" sz="2400" dirty="0">
+                <a:latin typeface="Courier New" panose="02070309020205020404" pitchFamily="49" charset="0"/>
+              </a:rPr>
+              <a:t>}</a:t>
+            </a:r>
+            <a:r>
+              <a:rPr lang="en-US" altLang="ru-RU" sz="2400" noProof="1">
+                <a:latin typeface="Courier New" panose="02070309020205020404" pitchFamily="49" charset="0"/>
+              </a:rPr>
+              <a:t>,</a:t>
+            </a:r>
+            <a:endParaRPr lang="en-US" altLang="ru-RU" sz="2400" dirty="0">
+              <a:latin typeface="Courier New" panose="02070309020205020404" pitchFamily="49" charset="0"/>
+            </a:endParaRPr>
+          </a:p>
+          <a:p>
+            <a:pPr marL="0" indent="0">
+              <a:lnSpc>
+                <a:spcPct val="80000"/>
+              </a:lnSpc>
+              <a:buNone/>
+            </a:pPr>
+            <a:r>
+              <a:rPr lang="en-US" altLang="ru-RU" sz="2400" dirty="0">
+                <a:latin typeface="Courier New" panose="02070309020205020404" pitchFamily="49" charset="0"/>
+              </a:rPr>
+              <a:t>                  {</a:t>
+            </a:r>
+            <a:r>
+              <a:rPr lang="en-US" altLang="ru-RU" sz="2400" noProof="1">
+                <a:latin typeface="Courier New" panose="02070309020205020404" pitchFamily="49" charset="0"/>
+              </a:rPr>
+              <a:t>4, 5</a:t>
+            </a:r>
+            <a:r>
+              <a:rPr lang="en-US" altLang="ru-RU" sz="2400" dirty="0">
+                <a:latin typeface="Courier New" panose="02070309020205020404" pitchFamily="49" charset="0"/>
+              </a:rPr>
+              <a:t>, 6} </a:t>
+            </a:r>
+            <a:r>
+              <a:rPr lang="en-US" altLang="ru-RU" sz="2400" noProof="1">
+                <a:latin typeface="Courier New" panose="02070309020205020404" pitchFamily="49" charset="0"/>
+              </a:rPr>
+              <a:t>};</a:t>
+            </a:r>
+            <a:endParaRPr lang="uk-UA" altLang="ru-RU" sz="2400" dirty="0">
+              <a:latin typeface="Courier New" panose="02070309020205020404" pitchFamily="49" charset="0"/>
+            </a:endParaRPr>
+          </a:p>
+          <a:p>
+            <a:pPr marL="0" indent="0">
+              <a:lnSpc>
+                <a:spcPct val="80000"/>
+              </a:lnSpc>
+              <a:buNone/>
+            </a:pPr>
+            <a:r>
+              <a:rPr lang="uk-UA" altLang="ru-RU" sz="2400" dirty="0">
+                <a:latin typeface="Times New Roman" panose="02020603050405020304" pitchFamily="18" charset="0"/>
+                <a:cs typeface="Times New Roman" panose="02020603050405020304" pitchFamily="18" charset="0"/>
+              </a:rPr>
+              <a:t>або з використанням операції</a:t>
+            </a:r>
+            <a:r>
+              <a:rPr lang="uk-UA" altLang="ru-RU" sz="2400" dirty="0"/>
+              <a:t> </a:t>
+            </a:r>
+            <a:r>
+              <a:rPr lang="en-US" altLang="ru-RU" sz="2400" dirty="0">
+                <a:solidFill>
+                  <a:srgbClr val="0000FF"/>
+                </a:solidFill>
+                <a:latin typeface="Courier New" panose="02070309020205020404" pitchFamily="49" charset="0"/>
+              </a:rPr>
+              <a:t>new</a:t>
+            </a:r>
+            <a:r>
+              <a:rPr lang="uk-UA" altLang="ru-RU" sz="2400" dirty="0"/>
+              <a:t> : </a:t>
+            </a:r>
+            <a:endParaRPr lang="en-US" altLang="ru-RU" sz="2400" dirty="0"/>
+          </a:p>
+          <a:p>
+            <a:pPr marL="0" indent="0">
+              <a:lnSpc>
+                <a:spcPct val="80000"/>
+              </a:lnSpc>
+              <a:buNone/>
+            </a:pPr>
+            <a:r>
+              <a:rPr lang="en-US" altLang="ru-RU" sz="2400" noProof="1">
+                <a:solidFill>
+                  <a:srgbClr val="0000FF"/>
+                </a:solidFill>
+                <a:latin typeface="Courier New" panose="02070309020205020404" pitchFamily="49" charset="0"/>
+              </a:rPr>
+              <a:t>int</a:t>
+            </a:r>
+            <a:r>
+              <a:rPr lang="en-US" altLang="ru-RU" sz="2400" noProof="1">
+                <a:latin typeface="Courier New" panose="02070309020205020404" pitchFamily="49" charset="0"/>
+              </a:rPr>
+              <a:t>[][] iArray = </a:t>
+            </a:r>
+            <a:r>
+              <a:rPr lang="en-US" altLang="ru-RU" sz="2400" dirty="0">
+                <a:latin typeface="Courier New" panose="02070309020205020404" pitchFamily="49" charset="0"/>
+              </a:rPr>
+              <a:t>new [2][3]</a:t>
+            </a:r>
+            <a:r>
+              <a:rPr lang="en-US" altLang="ru-RU" sz="2400" noProof="1">
+                <a:latin typeface="Courier New" panose="02070309020205020404" pitchFamily="49" charset="0"/>
+              </a:rPr>
+              <a:t>;</a:t>
+            </a:r>
+            <a:endParaRPr lang="en-US" altLang="ru-RU" sz="2400" dirty="0">
+              <a:latin typeface="Courier New" panose="02070309020205020404" pitchFamily="49" charset="0"/>
+            </a:endParaRPr>
+          </a:p>
+          <a:p>
+            <a:pPr marL="0" indent="0">
+              <a:lnSpc>
+                <a:spcPct val="80000"/>
+              </a:lnSpc>
+              <a:buNone/>
+            </a:pPr>
+            <a:r>
+              <a:rPr lang="uk-UA" altLang="ru-RU" sz="2400" dirty="0">
+                <a:latin typeface="Times New Roman" panose="02020603050405020304" pitchFamily="18" charset="0"/>
+                <a:cs typeface="Times New Roman" panose="02020603050405020304" pitchFamily="18" charset="0"/>
+              </a:rPr>
+              <a:t>Таким чином створений масив </a:t>
+            </a:r>
+            <a:r>
+              <a:rPr lang="uk-UA" altLang="ru-RU" sz="2400" dirty="0" err="1">
+                <a:latin typeface="Times New Roman" panose="02020603050405020304" pitchFamily="18" charset="0"/>
+                <a:cs typeface="Times New Roman" panose="02020603050405020304" pitchFamily="18" charset="0"/>
+              </a:rPr>
+              <a:t>розмірностей</a:t>
+            </a:r>
+            <a:r>
+              <a:rPr lang="uk-UA" altLang="ru-RU" sz="2400" dirty="0">
+                <a:latin typeface="Times New Roman" panose="02020603050405020304" pitchFamily="18" charset="0"/>
+                <a:cs typeface="Times New Roman" panose="02020603050405020304" pitchFamily="18" charset="0"/>
+              </a:rPr>
+              <a:t> 2*3 та </a:t>
+            </a:r>
+            <a:r>
+              <a:rPr lang="uk-UA" altLang="ru-RU" sz="2400" dirty="0" err="1">
+                <a:latin typeface="Times New Roman" panose="02020603050405020304" pitchFamily="18" charset="0"/>
+                <a:cs typeface="Times New Roman" panose="02020603050405020304" pitchFamily="18" charset="0"/>
+              </a:rPr>
+              <a:t>проініціалізований</a:t>
+            </a:r>
+            <a:r>
+              <a:rPr lang="uk-UA" altLang="ru-RU" sz="2400" dirty="0">
+                <a:latin typeface="Times New Roman" panose="02020603050405020304" pitchFamily="18" charset="0"/>
+                <a:cs typeface="Times New Roman" panose="02020603050405020304" pitchFamily="18" charset="0"/>
+              </a:rPr>
+              <a:t>: його перший рядок значеннями 1, 2, 3, а другий – значеннями 4, 5, 6.</a:t>
+            </a:r>
+          </a:p>
+          <a:p>
+            <a:pPr marL="0" indent="0">
+              <a:lnSpc>
+                <a:spcPct val="80000"/>
+              </a:lnSpc>
+              <a:buNone/>
+            </a:pPr>
+            <a:r>
+              <a:rPr lang="en-US" altLang="ru-RU" sz="2400" dirty="0">
+                <a:solidFill>
+                  <a:srgbClr val="339933"/>
+                </a:solidFill>
+                <a:latin typeface="Courier New" panose="02070309020205020404" pitchFamily="49" charset="0"/>
+              </a:rPr>
+              <a:t>// </a:t>
+            </a:r>
+            <a:r>
+              <a:rPr lang="uk-UA" altLang="ru-RU" sz="2400" dirty="0">
+                <a:solidFill>
+                  <a:srgbClr val="339933"/>
+                </a:solidFill>
+                <a:latin typeface="Courier New" panose="02070309020205020404" pitchFamily="49" charset="0"/>
+              </a:rPr>
+              <a:t> так теж можна</a:t>
+            </a:r>
+          </a:p>
+          <a:p>
+            <a:pPr marL="0" indent="0">
+              <a:lnSpc>
+                <a:spcPct val="80000"/>
+              </a:lnSpc>
+              <a:buNone/>
+            </a:pPr>
+            <a:r>
+              <a:rPr lang="en-US" altLang="ru-RU" sz="2400" noProof="1">
+                <a:solidFill>
+                  <a:srgbClr val="0000FF"/>
+                </a:solidFill>
+                <a:latin typeface="Courier New" panose="02070309020205020404" pitchFamily="49" charset="0"/>
+              </a:rPr>
+              <a:t>int</a:t>
+            </a:r>
+            <a:r>
+              <a:rPr lang="en-US" altLang="ru-RU" sz="2400" noProof="1">
+                <a:latin typeface="Courier New" panose="02070309020205020404" pitchFamily="49" charset="0"/>
+              </a:rPr>
+              <a:t>[][] iArray = {</a:t>
+            </a:r>
+            <a:r>
+              <a:rPr lang="en-US" altLang="ru-RU" sz="2400" dirty="0">
+                <a:latin typeface="Courier New" panose="02070309020205020404" pitchFamily="49" charset="0"/>
+              </a:rPr>
+              <a:t> </a:t>
+            </a:r>
+          </a:p>
+          <a:p>
+            <a:pPr marL="0" indent="0">
+              <a:lnSpc>
+                <a:spcPct val="80000"/>
+              </a:lnSpc>
+              <a:buNone/>
+            </a:pPr>
+            <a:r>
+              <a:rPr lang="en-US" altLang="ru-RU" sz="2400" dirty="0">
+                <a:latin typeface="Courier New" panose="02070309020205020404" pitchFamily="49" charset="0"/>
+              </a:rPr>
+              <a:t>                {</a:t>
+            </a:r>
+            <a:r>
+              <a:rPr lang="en-US" altLang="ru-RU" sz="2400" noProof="1">
+                <a:latin typeface="Courier New" panose="02070309020205020404" pitchFamily="49" charset="0"/>
+              </a:rPr>
+              <a:t>1, 2, 3</a:t>
+            </a:r>
+            <a:r>
+              <a:rPr lang="en-US" altLang="ru-RU" sz="2400" dirty="0">
+                <a:latin typeface="Courier New" panose="02070309020205020404" pitchFamily="49" charset="0"/>
+              </a:rPr>
+              <a:t>}</a:t>
+            </a:r>
+            <a:r>
+              <a:rPr lang="en-US" altLang="ru-RU" sz="2400" noProof="1">
+                <a:latin typeface="Courier New" panose="02070309020205020404" pitchFamily="49" charset="0"/>
+              </a:rPr>
+              <a:t>,</a:t>
+            </a:r>
+            <a:endParaRPr lang="en-US" altLang="ru-RU" sz="2400" dirty="0">
+              <a:latin typeface="Courier New" panose="02070309020205020404" pitchFamily="49" charset="0"/>
+            </a:endParaRPr>
+          </a:p>
+          <a:p>
+            <a:pPr marL="0" indent="0">
+              <a:lnSpc>
+                <a:spcPct val="80000"/>
+              </a:lnSpc>
+              <a:buNone/>
+            </a:pPr>
+            <a:r>
+              <a:rPr lang="en-US" altLang="ru-RU" sz="2400" dirty="0">
+                <a:latin typeface="Courier New" panose="02070309020205020404" pitchFamily="49" charset="0"/>
+              </a:rPr>
+              <a:t>                {</a:t>
+            </a:r>
+            <a:r>
+              <a:rPr lang="en-US" altLang="ru-RU" sz="2400" noProof="1">
+                <a:latin typeface="Courier New" panose="02070309020205020404" pitchFamily="49" charset="0"/>
+              </a:rPr>
+              <a:t>4, 5</a:t>
+            </a:r>
+            <a:r>
+              <a:rPr lang="en-US" altLang="ru-RU" sz="2400" dirty="0">
+                <a:latin typeface="Courier New" panose="02070309020205020404" pitchFamily="49" charset="0"/>
+              </a:rPr>
+              <a:t>, 6} </a:t>
+            </a:r>
+            <a:r>
+              <a:rPr lang="en-US" altLang="ru-RU" sz="2400" noProof="1">
+                <a:latin typeface="Courier New" panose="02070309020205020404" pitchFamily="49" charset="0"/>
+              </a:rPr>
+              <a:t>};</a:t>
+            </a:r>
+            <a:endParaRPr lang="ru-RU" altLang="ru-RU" sz="2400" dirty="0">
+              <a:latin typeface="Courier New" panose="02070309020205020404" pitchFamily="49" charset="0"/>
+            </a:endParaRPr>
+          </a:p>
+        </p:txBody>
+      </p:sp>
+    </p:spTree>
+  </p:cSld>
+  <p:clrMapOvr>
+    <a:masterClrMapping/>
+  </p:clrMapOvr>
+</p:sld>
+</file>
+
+<file path=ppt/slides/slide11.xml><?xml version="1.0" encoding="utf-8"?>
+<p:sld xmlns:a="http://schemas.openxmlformats.org/drawingml/2006/main" xmlns:r="http://schemas.openxmlformats.org/officeDocument/2006/relationships" xmlns:p="http://schemas.openxmlformats.org/presentationml/2006/main">
+  <p:cSld>
+    <p:spTree>
+      <p:nvGrpSpPr>
+        <p:cNvPr id="1" name=""/>
+        <p:cNvGrpSpPr/>
+        <p:nvPr/>
+      </p:nvGrpSpPr>
+      <p:grpSpPr>
+        <a:xfrm>
+          <a:off x="0" y="0"/>
+          <a:ext cx="0" cy="0"/>
+          <a:chOff x="0" y="0"/>
+          <a:chExt cx="0" cy="0"/>
+        </a:xfrm>
+      </p:grpSpPr>
+      <p:sp>
+        <p:nvSpPr>
           <p:cNvPr id="7170" name="Rectangle 3">
             <a:extLst>
               <a:ext uri="{FF2B5EF4-FFF2-40B4-BE49-F238E27FC236}">
@@ -5055,454 +5503,6 @@
             <a:endParaRPr lang="ru-RU" altLang="ru-RU" sz="4800" dirty="0">
               <a:latin typeface="Times New Roman" panose="02020603050405020304" pitchFamily="18" charset="0"/>
               <a:cs typeface="Times New Roman" panose="02020603050405020304" pitchFamily="18" charset="0"/>
-            </a:endParaRPr>
-          </a:p>
-        </p:txBody>
-      </p:sp>
-    </p:spTree>
-  </p:cSld>
-  <p:clrMapOvr>
-    <a:masterClrMapping/>
-  </p:clrMapOvr>
-</p:sld>
-</file>
-
-<file path=ppt/slides/slide11.xml><?xml version="1.0" encoding="utf-8"?>
-<p:sld xmlns:a="http://schemas.openxmlformats.org/drawingml/2006/main" xmlns:r="http://schemas.openxmlformats.org/officeDocument/2006/relationships" xmlns:p="http://schemas.openxmlformats.org/presentationml/2006/main">
-  <p:cSld>
-    <p:spTree>
-      <p:nvGrpSpPr>
-        <p:cNvPr id="1" name=""/>
-        <p:cNvGrpSpPr/>
-        <p:nvPr/>
-      </p:nvGrpSpPr>
-      <p:grpSpPr>
-        <a:xfrm>
-          <a:off x="0" y="0"/>
-          <a:ext cx="0" cy="0"/>
-          <a:chOff x="0" y="0"/>
-          <a:chExt cx="0" cy="0"/>
-        </a:xfrm>
-      </p:grpSpPr>
-      <p:sp>
-        <p:nvSpPr>
-          <p:cNvPr id="8194" name="Rectangle 2">
-            <a:extLst>
-              <a:ext uri="{FF2B5EF4-FFF2-40B4-BE49-F238E27FC236}">
-                <a16:creationId xmlns:a16="http://schemas.microsoft.com/office/drawing/2014/main" id="{9FDF2C70-BD51-49B6-B177-A690FA294194}"/>
-              </a:ext>
-            </a:extLst>
-          </p:cNvPr>
-          <p:cNvSpPr>
-            <a:spLocks noGrp="1" noChangeArrowheads="1"/>
-          </p:cNvSpPr>
-          <p:nvPr>
-            <p:ph type="title"/>
-          </p:nvPr>
-        </p:nvSpPr>
-        <p:spPr>
-          <a:xfrm>
-            <a:off x="0" y="0"/>
-            <a:ext cx="12192000" cy="490537"/>
-          </a:xfrm>
-        </p:spPr>
-        <p:txBody>
-          <a:bodyPr>
-            <a:noAutofit/>
-          </a:bodyPr>
-          <a:lstStyle/>
-          <a:p>
-            <a:pPr algn="ctr" eaLnBrk="1" hangingPunct="1"/>
-            <a:r>
-              <a:rPr lang="uk-UA" altLang="ru-RU" sz="4800" dirty="0">
-                <a:latin typeface="Times New Roman" panose="02020603050405020304" pitchFamily="18" charset="0"/>
-                <a:cs typeface="Times New Roman" panose="02020603050405020304" pitchFamily="18" charset="0"/>
-              </a:rPr>
-              <a:t>Ініціалізація двовимірних масивів</a:t>
-            </a:r>
-            <a:endParaRPr lang="ru-RU" altLang="ru-RU" sz="4800" dirty="0">
-              <a:latin typeface="Times New Roman" panose="02020603050405020304" pitchFamily="18" charset="0"/>
-              <a:cs typeface="Times New Roman" panose="02020603050405020304" pitchFamily="18" charset="0"/>
-            </a:endParaRPr>
-          </a:p>
-        </p:txBody>
-      </p:sp>
-      <p:sp>
-        <p:nvSpPr>
-          <p:cNvPr id="8195" name="Rectangle 3">
-            <a:extLst>
-              <a:ext uri="{FF2B5EF4-FFF2-40B4-BE49-F238E27FC236}">
-                <a16:creationId xmlns:a16="http://schemas.microsoft.com/office/drawing/2014/main" id="{A10F3A6D-820E-4C86-BEE2-21DDE4B53D92}"/>
-              </a:ext>
-            </a:extLst>
-          </p:cNvPr>
-          <p:cNvSpPr>
-            <a:spLocks noGrp="1" noChangeArrowheads="1"/>
-          </p:cNvSpPr>
-          <p:nvPr>
-            <p:ph type="body" idx="1"/>
-          </p:nvPr>
-        </p:nvSpPr>
-        <p:spPr>
-          <a:xfrm>
-            <a:off x="1774826" y="765176"/>
-            <a:ext cx="8569325" cy="5616575"/>
-          </a:xfrm>
-        </p:spPr>
-        <p:txBody>
-          <a:bodyPr/>
-          <a:lstStyle/>
-          <a:p>
-            <a:pPr marL="0" indent="0">
-              <a:lnSpc>
-                <a:spcPct val="80000"/>
-              </a:lnSpc>
-              <a:buNone/>
-            </a:pPr>
-            <a:r>
-              <a:rPr lang="uk-UA" altLang="ru-RU" sz="2400" dirty="0">
-                <a:latin typeface="Times New Roman" panose="02020603050405020304" pitchFamily="18" charset="0"/>
-                <a:cs typeface="Times New Roman" panose="02020603050405020304" pitchFamily="18" charset="0"/>
-              </a:rPr>
-              <a:t>Двовимірний масив також можна </a:t>
-            </a:r>
-            <a:r>
-              <a:rPr lang="uk-UA" altLang="ru-RU" sz="2400" dirty="0" err="1">
-                <a:latin typeface="Times New Roman" panose="02020603050405020304" pitchFamily="18" charset="0"/>
-                <a:cs typeface="Times New Roman" panose="02020603050405020304" pitchFamily="18" charset="0"/>
-              </a:rPr>
-              <a:t>ініціалізувати</a:t>
-            </a:r>
-            <a:r>
-              <a:rPr lang="uk-UA" altLang="ru-RU" sz="2400" dirty="0">
-                <a:latin typeface="Times New Roman" panose="02020603050405020304" pitchFamily="18" charset="0"/>
-                <a:cs typeface="Times New Roman" panose="02020603050405020304" pitchFamily="18" charset="0"/>
-              </a:rPr>
-              <a:t>, наприклад, таким чином:</a:t>
-            </a:r>
-          </a:p>
-          <a:p>
-            <a:pPr marL="0" indent="0">
-              <a:lnSpc>
-                <a:spcPct val="80000"/>
-              </a:lnSpc>
-              <a:buNone/>
-            </a:pPr>
-            <a:r>
-              <a:rPr lang="en-US" altLang="ru-RU" sz="2400" noProof="1">
-                <a:solidFill>
-                  <a:srgbClr val="0000FF"/>
-                </a:solidFill>
-                <a:latin typeface="Courier New" panose="02070309020205020404" pitchFamily="49" charset="0"/>
-              </a:rPr>
-              <a:t>int</a:t>
-            </a:r>
-            <a:r>
-              <a:rPr lang="en-US" altLang="ru-RU" sz="2400" noProof="1">
-                <a:latin typeface="Courier New" panose="02070309020205020404" pitchFamily="49" charset="0"/>
-              </a:rPr>
-              <a:t>[][] iArray = {</a:t>
-            </a:r>
-            <a:r>
-              <a:rPr lang="en-US" altLang="ru-RU" sz="2400" dirty="0">
-                <a:latin typeface="Courier New" panose="02070309020205020404" pitchFamily="49" charset="0"/>
-              </a:rPr>
-              <a:t> {</a:t>
-            </a:r>
-            <a:r>
-              <a:rPr lang="en-US" altLang="ru-RU" sz="2400" noProof="1">
-                <a:latin typeface="Courier New" panose="02070309020205020404" pitchFamily="49" charset="0"/>
-              </a:rPr>
-              <a:t>1, 2, 3</a:t>
-            </a:r>
-            <a:r>
-              <a:rPr lang="en-US" altLang="ru-RU" sz="2400" dirty="0">
-                <a:latin typeface="Courier New" panose="02070309020205020404" pitchFamily="49" charset="0"/>
-              </a:rPr>
-              <a:t>}</a:t>
-            </a:r>
-            <a:r>
-              <a:rPr lang="en-US" altLang="ru-RU" sz="2400" noProof="1">
-                <a:latin typeface="Courier New" panose="02070309020205020404" pitchFamily="49" charset="0"/>
-              </a:rPr>
-              <a:t>,</a:t>
-            </a:r>
-            <a:endParaRPr lang="en-US" altLang="ru-RU" sz="2400" dirty="0">
-              <a:latin typeface="Courier New" panose="02070309020205020404" pitchFamily="49" charset="0"/>
-            </a:endParaRPr>
-          </a:p>
-          <a:p>
-            <a:pPr marL="0" indent="0">
-              <a:lnSpc>
-                <a:spcPct val="80000"/>
-              </a:lnSpc>
-              <a:buNone/>
-            </a:pPr>
-            <a:r>
-              <a:rPr lang="en-US" altLang="ru-RU" sz="2400" dirty="0">
-                <a:latin typeface="Courier New" panose="02070309020205020404" pitchFamily="49" charset="0"/>
-              </a:rPr>
-              <a:t>                  {</a:t>
-            </a:r>
-            <a:r>
-              <a:rPr lang="en-US" altLang="ru-RU" sz="2400" noProof="1">
-                <a:latin typeface="Courier New" panose="02070309020205020404" pitchFamily="49" charset="0"/>
-              </a:rPr>
-              <a:t>4, 5</a:t>
-            </a:r>
-            <a:r>
-              <a:rPr lang="en-US" altLang="ru-RU" sz="2400" dirty="0">
-                <a:latin typeface="Courier New" panose="02070309020205020404" pitchFamily="49" charset="0"/>
-              </a:rPr>
-              <a:t>, 6} </a:t>
-            </a:r>
-            <a:r>
-              <a:rPr lang="en-US" altLang="ru-RU" sz="2400" noProof="1">
-                <a:latin typeface="Courier New" panose="02070309020205020404" pitchFamily="49" charset="0"/>
-              </a:rPr>
-              <a:t>};</a:t>
-            </a:r>
-            <a:endParaRPr lang="uk-UA" altLang="ru-RU" sz="2400" dirty="0">
-              <a:latin typeface="Courier New" panose="02070309020205020404" pitchFamily="49" charset="0"/>
-            </a:endParaRPr>
-          </a:p>
-          <a:p>
-            <a:pPr marL="0" indent="0">
-              <a:lnSpc>
-                <a:spcPct val="80000"/>
-              </a:lnSpc>
-              <a:buNone/>
-            </a:pPr>
-            <a:r>
-              <a:rPr lang="uk-UA" altLang="ru-RU" sz="2400" dirty="0">
-                <a:latin typeface="Times New Roman" panose="02020603050405020304" pitchFamily="18" charset="0"/>
-                <a:cs typeface="Times New Roman" panose="02020603050405020304" pitchFamily="18" charset="0"/>
-              </a:rPr>
-              <a:t>або з використанням операції</a:t>
-            </a:r>
-            <a:r>
-              <a:rPr lang="uk-UA" altLang="ru-RU" sz="2400" dirty="0"/>
-              <a:t> </a:t>
-            </a:r>
-            <a:r>
-              <a:rPr lang="en-US" altLang="ru-RU" sz="2400" dirty="0">
-                <a:solidFill>
-                  <a:srgbClr val="0000FF"/>
-                </a:solidFill>
-                <a:latin typeface="Courier New" panose="02070309020205020404" pitchFamily="49" charset="0"/>
-              </a:rPr>
-              <a:t>new</a:t>
-            </a:r>
-            <a:r>
-              <a:rPr lang="uk-UA" altLang="ru-RU" sz="2400" dirty="0"/>
-              <a:t> : </a:t>
-            </a:r>
-            <a:endParaRPr lang="en-US" altLang="ru-RU" sz="2400" dirty="0"/>
-          </a:p>
-          <a:p>
-            <a:pPr marL="0" indent="0">
-              <a:lnSpc>
-                <a:spcPct val="80000"/>
-              </a:lnSpc>
-              <a:buNone/>
-            </a:pPr>
-            <a:r>
-              <a:rPr lang="en-US" altLang="ru-RU" sz="2400" noProof="1">
-                <a:solidFill>
-                  <a:srgbClr val="0000FF"/>
-                </a:solidFill>
-                <a:latin typeface="Courier New" panose="02070309020205020404" pitchFamily="49" charset="0"/>
-              </a:rPr>
-              <a:t>int</a:t>
-            </a:r>
-            <a:r>
-              <a:rPr lang="en-US" altLang="ru-RU" sz="2400" noProof="1">
-                <a:latin typeface="Courier New" panose="02070309020205020404" pitchFamily="49" charset="0"/>
-              </a:rPr>
-              <a:t>[][] iArray = </a:t>
-            </a:r>
-            <a:r>
-              <a:rPr lang="en-US" altLang="ru-RU" sz="2400" dirty="0">
-                <a:latin typeface="Courier New" panose="02070309020205020404" pitchFamily="49" charset="0"/>
-              </a:rPr>
-              <a:t>new [2][3]</a:t>
-            </a:r>
-            <a:r>
-              <a:rPr lang="en-US" altLang="ru-RU" sz="2400" noProof="1">
-                <a:latin typeface="Courier New" panose="02070309020205020404" pitchFamily="49" charset="0"/>
-              </a:rPr>
-              <a:t>;</a:t>
-            </a:r>
-            <a:endParaRPr lang="en-US" altLang="ru-RU" sz="2400" dirty="0">
-              <a:latin typeface="Courier New" panose="02070309020205020404" pitchFamily="49" charset="0"/>
-            </a:endParaRPr>
-          </a:p>
-          <a:p>
-            <a:pPr marL="0" indent="0">
-              <a:lnSpc>
-                <a:spcPct val="80000"/>
-              </a:lnSpc>
-              <a:buNone/>
-            </a:pPr>
-            <a:r>
-              <a:rPr lang="uk-UA" altLang="ru-RU" sz="2400" dirty="0">
-                <a:latin typeface="Times New Roman" panose="02020603050405020304" pitchFamily="18" charset="0"/>
-                <a:cs typeface="Times New Roman" panose="02020603050405020304" pitchFamily="18" charset="0"/>
-              </a:rPr>
-              <a:t>Таким чином створений масив </a:t>
-            </a:r>
-            <a:r>
-              <a:rPr lang="uk-UA" altLang="ru-RU" sz="2400" dirty="0" err="1">
-                <a:latin typeface="Times New Roman" panose="02020603050405020304" pitchFamily="18" charset="0"/>
-                <a:cs typeface="Times New Roman" panose="02020603050405020304" pitchFamily="18" charset="0"/>
-              </a:rPr>
-              <a:t>розмірностей</a:t>
-            </a:r>
-            <a:r>
-              <a:rPr lang="uk-UA" altLang="ru-RU" sz="2400" dirty="0">
-                <a:latin typeface="Times New Roman" panose="02020603050405020304" pitchFamily="18" charset="0"/>
-                <a:cs typeface="Times New Roman" panose="02020603050405020304" pitchFamily="18" charset="0"/>
-              </a:rPr>
-              <a:t> 2*3 та </a:t>
-            </a:r>
-            <a:r>
-              <a:rPr lang="uk-UA" altLang="ru-RU" sz="2400" dirty="0" err="1">
-                <a:latin typeface="Times New Roman" panose="02020603050405020304" pitchFamily="18" charset="0"/>
-                <a:cs typeface="Times New Roman" panose="02020603050405020304" pitchFamily="18" charset="0"/>
-              </a:rPr>
-              <a:t>проініціалізований</a:t>
-            </a:r>
-            <a:r>
-              <a:rPr lang="uk-UA" altLang="ru-RU" sz="2400" dirty="0">
-                <a:latin typeface="Times New Roman" panose="02020603050405020304" pitchFamily="18" charset="0"/>
-                <a:cs typeface="Times New Roman" panose="02020603050405020304" pitchFamily="18" charset="0"/>
-              </a:rPr>
-              <a:t>: його перший рядок значеннями 1, 2, 3, а другий – значеннями 4, 5, 6.</a:t>
-            </a:r>
-          </a:p>
-          <a:p>
-            <a:pPr marL="0" indent="0">
-              <a:lnSpc>
-                <a:spcPct val="80000"/>
-              </a:lnSpc>
-              <a:buNone/>
-            </a:pPr>
-            <a:r>
-              <a:rPr lang="en-US" altLang="ru-RU" sz="2400" dirty="0">
-                <a:solidFill>
-                  <a:srgbClr val="339933"/>
-                </a:solidFill>
-                <a:latin typeface="Courier New" panose="02070309020205020404" pitchFamily="49" charset="0"/>
-              </a:rPr>
-              <a:t>// </a:t>
-            </a:r>
-            <a:r>
-              <a:rPr lang="uk-UA" altLang="ru-RU" sz="2400" dirty="0">
-                <a:solidFill>
-                  <a:srgbClr val="339933"/>
-                </a:solidFill>
-                <a:latin typeface="Courier New" panose="02070309020205020404" pitchFamily="49" charset="0"/>
-              </a:rPr>
-              <a:t> так теж можна</a:t>
-            </a:r>
-          </a:p>
-          <a:p>
-            <a:pPr marL="0" indent="0">
-              <a:lnSpc>
-                <a:spcPct val="80000"/>
-              </a:lnSpc>
-              <a:buNone/>
-            </a:pPr>
-            <a:r>
-              <a:rPr lang="en-US" altLang="ru-RU" sz="2400" noProof="1">
-                <a:solidFill>
-                  <a:srgbClr val="0000FF"/>
-                </a:solidFill>
-                <a:latin typeface="Courier New" panose="02070309020205020404" pitchFamily="49" charset="0"/>
-              </a:rPr>
-              <a:t>int</a:t>
-            </a:r>
-            <a:r>
-              <a:rPr lang="en-US" altLang="ru-RU" sz="2400" noProof="1">
-                <a:latin typeface="Courier New" panose="02070309020205020404" pitchFamily="49" charset="0"/>
-              </a:rPr>
-              <a:t>[][] iArray = {</a:t>
-            </a:r>
-            <a:r>
-              <a:rPr lang="en-US" altLang="ru-RU" sz="2400" dirty="0">
-                <a:latin typeface="Courier New" panose="02070309020205020404" pitchFamily="49" charset="0"/>
-              </a:rPr>
-              <a:t> </a:t>
-            </a:r>
-          </a:p>
-          <a:p>
-            <a:pPr marL="0" indent="0">
-              <a:lnSpc>
-                <a:spcPct val="80000"/>
-              </a:lnSpc>
-              <a:buNone/>
-            </a:pPr>
-            <a:r>
-              <a:rPr lang="en-US" altLang="ru-RU" sz="2400" dirty="0">
-                <a:latin typeface="Courier New" panose="02070309020205020404" pitchFamily="49" charset="0"/>
-              </a:rPr>
-              <a:t>                {</a:t>
-            </a:r>
-            <a:r>
-              <a:rPr lang="en-US" altLang="ru-RU" sz="2400" noProof="1">
-                <a:latin typeface="Courier New" panose="02070309020205020404" pitchFamily="49" charset="0"/>
-              </a:rPr>
-              <a:t>1, 2, 3</a:t>
-            </a:r>
-            <a:r>
-              <a:rPr lang="en-US" altLang="ru-RU" sz="2400" dirty="0">
-                <a:latin typeface="Courier New" panose="02070309020205020404" pitchFamily="49" charset="0"/>
-              </a:rPr>
-              <a:t>}</a:t>
-            </a:r>
-            <a:r>
-              <a:rPr lang="en-US" altLang="ru-RU" sz="2400" noProof="1">
-                <a:latin typeface="Courier New" panose="02070309020205020404" pitchFamily="49" charset="0"/>
-              </a:rPr>
-              <a:t>,</a:t>
-            </a:r>
-            <a:endParaRPr lang="en-US" altLang="ru-RU" sz="2400" dirty="0">
-              <a:latin typeface="Courier New" panose="02070309020205020404" pitchFamily="49" charset="0"/>
-            </a:endParaRPr>
-          </a:p>
-          <a:p>
-            <a:pPr marL="0" indent="0">
-              <a:lnSpc>
-                <a:spcPct val="80000"/>
-              </a:lnSpc>
-              <a:buNone/>
-            </a:pPr>
-            <a:r>
-              <a:rPr lang="en-US" altLang="ru-RU" sz="2400" dirty="0">
-                <a:latin typeface="Courier New" panose="02070309020205020404" pitchFamily="49" charset="0"/>
-              </a:rPr>
-              <a:t>                {</a:t>
-            </a:r>
-            <a:r>
-              <a:rPr lang="en-US" altLang="ru-RU" sz="2400" noProof="1">
-                <a:latin typeface="Courier New" panose="02070309020205020404" pitchFamily="49" charset="0"/>
-              </a:rPr>
-              <a:t>4, 5</a:t>
-            </a:r>
-            <a:r>
-              <a:rPr lang="en-US" altLang="ru-RU" sz="2400" dirty="0">
-                <a:latin typeface="Courier New" panose="02070309020205020404" pitchFamily="49" charset="0"/>
-              </a:rPr>
-              <a:t>, 6} </a:t>
-            </a:r>
-            <a:r>
-              <a:rPr lang="en-US" altLang="ru-RU" sz="2400" noProof="1">
-                <a:latin typeface="Courier New" panose="02070309020205020404" pitchFamily="49" charset="0"/>
-              </a:rPr>
-              <a:t>};</a:t>
-            </a:r>
-            <a:endParaRPr lang="ru-RU" altLang="ru-RU" sz="2400" dirty="0">
-              <a:latin typeface="Courier New" panose="02070309020205020404" pitchFamily="49" charset="0"/>
             </a:endParaRPr>
           </a:p>
         </p:txBody>
@@ -20715,7 +20715,7 @@
           <a:graphicData uri="http://schemas.openxmlformats.org/presentationml/2006/ole">
             <mc:AlternateContent xmlns:mc="http://schemas.openxmlformats.org/markup-compatibility/2006">
               <mc:Choice xmlns:v="urn:schemas-microsoft-com:vml" Requires="v">
-                <p:oleObj spid="_x0000_s1145" name="Visio" r:id="rId3" imgW="2955211" imgH="970497" progId="Visio.Drawing.11">
+                <p:oleObj spid="_x0000_s1166" name="Visio" r:id="rId3" imgW="2955211" imgH="970497" progId="Visio.Drawing.11">
                   <p:embed/>
                 </p:oleObj>
               </mc:Choice>
@@ -20808,7 +20808,7 @@
           <a:graphicData uri="http://schemas.openxmlformats.org/presentationml/2006/ole">
             <mc:AlternateContent xmlns:mc="http://schemas.openxmlformats.org/markup-compatibility/2006">
               <mc:Choice xmlns:v="urn:schemas-microsoft-com:vml" Requires="v">
-                <p:oleObj spid="_x0000_s1146" name="Visio" r:id="rId5" imgW="4967161" imgH="234249" progId="Visio.Drawing.11">
+                <p:oleObj spid="_x0000_s1167" name="Visio" r:id="rId5" imgW="4967161" imgH="234249" progId="Visio.Drawing.11">
                   <p:embed/>
                 </p:oleObj>
               </mc:Choice>
@@ -20901,7 +20901,7 @@
           <a:graphicData uri="http://schemas.openxmlformats.org/presentationml/2006/ole">
             <mc:AlternateContent xmlns:mc="http://schemas.openxmlformats.org/markup-compatibility/2006">
               <mc:Choice xmlns:v="urn:schemas-microsoft-com:vml" Requires="v">
-                <p:oleObj spid="_x0000_s1147" name="Visio" r:id="rId7" imgW="3503851" imgH="419054" progId="Visio.Drawing.11">
+                <p:oleObj spid="_x0000_s1168" name="Visio" r:id="rId7" imgW="3503851" imgH="419054" progId="Visio.Drawing.11">
                   <p:embed/>
                 </p:oleObj>
               </mc:Choice>
@@ -20994,7 +20994,7 @@
           <a:graphicData uri="http://schemas.openxmlformats.org/presentationml/2006/ole">
             <mc:AlternateContent xmlns:mc="http://schemas.openxmlformats.org/markup-compatibility/2006">
               <mc:Choice xmlns:v="urn:schemas-microsoft-com:vml" Requires="v">
-                <p:oleObj spid="_x0000_s1148" name="Visio" r:id="rId9" imgW="2955211" imgH="969956" progId="Visio.Drawing.11">
+                <p:oleObj spid="_x0000_s1169" name="Visio" r:id="rId9" imgW="2955211" imgH="969956" progId="Visio.Drawing.11">
                   <p:embed/>
                 </p:oleObj>
               </mc:Choice>
@@ -21077,17 +21077,23 @@
           <p:cNvGraphicFramePr>
             <a:graphicFrameLocks noChangeAspect="1"/>
           </p:cNvGraphicFramePr>
-          <p:nvPr/>
+          <p:nvPr>
+            <p:extLst>
+              <p:ext uri="{D42A27DB-BD31-4B8C-83A1-F6EECF244321}">
+                <p14:modId xmlns:p14="http://schemas.microsoft.com/office/powerpoint/2010/main" val="81960923"/>
+              </p:ext>
+            </p:extLst>
+          </p:nvPr>
         </p:nvGraphicFramePr>
         <p:xfrm>
-          <a:off x="5835651" y="2794001"/>
+          <a:off x="5835650" y="2793148"/>
           <a:ext cx="3622675" cy="498475"/>
         </p:xfrm>
         <a:graphic>
           <a:graphicData uri="http://schemas.openxmlformats.org/presentationml/2006/ole">
             <mc:AlternateContent xmlns:mc="http://schemas.openxmlformats.org/markup-compatibility/2006">
               <mc:Choice xmlns:v="urn:schemas-microsoft-com:vml" Requires="v">
-                <p:oleObj spid="_x0000_s1149" name="Visio" r:id="rId11" imgW="3046651" imgH="419054" progId="Visio.Drawing.11">
+                <p:oleObj spid="_x0000_s1170" name="Visio" r:id="rId11" imgW="3046651" imgH="419054" progId="Visio.Drawing.11">
                   <p:embed/>
                 </p:oleObj>
               </mc:Choice>
@@ -21117,7 +21123,7 @@
                     </p:blipFill>
                     <p:spPr bwMode="auto">
                       <a:xfrm>
-                        <a:off x="5835651" y="2794001"/>
+                        <a:off x="5835650" y="2793148"/>
                         <a:ext cx="3622675" cy="498475"/>
                       </a:xfrm>
                       <a:prstGeom prst="rect">
@@ -21180,7 +21186,7 @@
           <a:graphicData uri="http://schemas.openxmlformats.org/presentationml/2006/ole">
             <mc:AlternateContent xmlns:mc="http://schemas.openxmlformats.org/markup-compatibility/2006">
               <mc:Choice xmlns:v="urn:schemas-microsoft-com:vml" Requires="v">
-                <p:oleObj spid="_x0000_s1150" name="Visio" r:id="rId13" imgW="3138091" imgH="603048" progId="Visio.Drawing.11">
+                <p:oleObj spid="_x0000_s1171" name="Visio" r:id="rId13" imgW="3138091" imgH="603048" progId="Visio.Drawing.11">
                   <p:embed/>
                 </p:oleObj>
               </mc:Choice>
@@ -21324,7 +21330,7 @@
           <a:graphicData uri="http://schemas.openxmlformats.org/presentationml/2006/ole">
             <mc:AlternateContent xmlns:mc="http://schemas.openxmlformats.org/markup-compatibility/2006">
               <mc:Choice xmlns:v="urn:schemas-microsoft-com:vml" Requires="v">
-                <p:oleObj spid="_x0000_s1151" name="Visio" r:id="rId15" imgW="3961051" imgH="1522210" progId="Visio.Drawing.11">
+                <p:oleObj spid="_x0000_s1172" name="Visio" r:id="rId15" imgW="3961051" imgH="1522210" progId="Visio.Drawing.11">
                   <p:embed/>
                 </p:oleObj>
               </mc:Choice>
@@ -21554,7 +21560,7 @@
           <a:graphicData uri="http://schemas.openxmlformats.org/presentationml/2006/ole">
             <mc:AlternateContent xmlns:mc="http://schemas.openxmlformats.org/markup-compatibility/2006">
               <mc:Choice xmlns:v="urn:schemas-microsoft-com:vml" Requires="v">
-                <p:oleObj spid="_x0000_s2084" name="Visio" r:id="rId3" imgW="3686731" imgH="601967" progId="Visio.Drawing.11">
+                <p:oleObj spid="_x0000_s2088" name="Visio" r:id="rId3" imgW="3686731" imgH="601967" progId="Visio.Drawing.11">
                   <p:embed/>
                 </p:oleObj>
               </mc:Choice>
@@ -21653,7 +21659,7 @@
           <a:graphicData uri="http://schemas.openxmlformats.org/presentationml/2006/ole">
             <mc:AlternateContent xmlns:mc="http://schemas.openxmlformats.org/markup-compatibility/2006">
               <mc:Choice xmlns:v="urn:schemas-microsoft-com:vml" Requires="v">
-                <p:oleObj spid="_x0000_s2085" name="Visio" r:id="rId5" imgW="3990928" imgH="1247812" progId="Visio.Drawing.11">
+                <p:oleObj spid="_x0000_s2089" name="Visio" r:id="rId5" imgW="3990928" imgH="1247812" progId="Visio.Drawing.11">
                   <p:embed/>
                 </p:oleObj>
               </mc:Choice>

--- a/Java Урок 8 Масиви.pptx
+++ b/Java Урок 8 Масиви.pptx
@@ -20597,7 +20597,7 @@
         </p:nvSpPr>
         <p:spPr>
           <a:xfrm>
-            <a:off x="5751514" y="1458913"/>
+            <a:off x="5760941" y="1204389"/>
             <a:ext cx="4459287" cy="4641850"/>
           </a:xfrm>
         </p:spPr>
@@ -20657,7 +20657,7 @@
         </p:nvSpPr>
         <p:spPr>
           <a:xfrm>
-            <a:off x="1835150" y="1458913"/>
+            <a:off x="1844577" y="1204389"/>
             <a:ext cx="4184650" cy="4641850"/>
           </a:xfrm>
         </p:spPr>
@@ -20705,17 +20705,23 @@
           <p:cNvGraphicFramePr>
             <a:graphicFrameLocks noChangeAspect="1"/>
           </p:cNvGraphicFramePr>
-          <p:nvPr/>
+          <p:nvPr>
+            <p:extLst>
+              <p:ext uri="{D42A27DB-BD31-4B8C-83A1-F6EECF244321}">
+                <p14:modId xmlns:p14="http://schemas.microsoft.com/office/powerpoint/2010/main" val="224988605"/>
+              </p:ext>
+            </p:extLst>
+          </p:nvPr>
         </p:nvGraphicFramePr>
         <p:xfrm>
-          <a:off x="1835150" y="1935164"/>
+          <a:off x="1844577" y="1680640"/>
           <a:ext cx="3511550" cy="1152525"/>
         </p:xfrm>
         <a:graphic>
           <a:graphicData uri="http://schemas.openxmlformats.org/presentationml/2006/ole">
             <mc:AlternateContent xmlns:mc="http://schemas.openxmlformats.org/markup-compatibility/2006">
               <mc:Choice xmlns:v="urn:schemas-microsoft-com:vml" Requires="v">
-                <p:oleObj spid="_x0000_s1166" name="Visio" r:id="rId3" imgW="2955211" imgH="970497" progId="Visio.Drawing.11">
+                <p:oleObj spid="_x0000_s1173" name="Visio" r:id="rId3" imgW="2955211" imgH="970497" progId="Visio.Drawing.11">
                   <p:embed/>
                 </p:oleObj>
               </mc:Choice>
@@ -20745,7 +20751,7 @@
                     </p:blipFill>
                     <p:spPr bwMode="auto">
                       <a:xfrm>
-                        <a:off x="1835150" y="1935164"/>
+                        <a:off x="1844577" y="1680640"/>
                         <a:ext cx="3511550" cy="1152525"/>
                       </a:xfrm>
                       <a:prstGeom prst="rect">
@@ -20798,17 +20804,23 @@
           <p:cNvGraphicFramePr>
             <a:graphicFrameLocks noChangeAspect="1"/>
           </p:cNvGraphicFramePr>
-          <p:nvPr/>
+          <p:nvPr>
+            <p:extLst>
+              <p:ext uri="{D42A27DB-BD31-4B8C-83A1-F6EECF244321}">
+                <p14:modId xmlns:p14="http://schemas.microsoft.com/office/powerpoint/2010/main" val="963416837"/>
+              </p:ext>
+            </p:extLst>
+          </p:nvPr>
         </p:nvGraphicFramePr>
         <p:xfrm>
-          <a:off x="1874839" y="6054725"/>
+          <a:off x="1884266" y="5800201"/>
           <a:ext cx="5907087" cy="279400"/>
         </p:xfrm>
         <a:graphic>
           <a:graphicData uri="http://schemas.openxmlformats.org/presentationml/2006/ole">
             <mc:AlternateContent xmlns:mc="http://schemas.openxmlformats.org/markup-compatibility/2006">
               <mc:Choice xmlns:v="urn:schemas-microsoft-com:vml" Requires="v">
-                <p:oleObj spid="_x0000_s1167" name="Visio" r:id="rId5" imgW="4967161" imgH="234249" progId="Visio.Drawing.11">
+                <p:oleObj spid="_x0000_s1174" name="Visio" r:id="rId5" imgW="4967161" imgH="234249" progId="Visio.Drawing.11">
                   <p:embed/>
                 </p:oleObj>
               </mc:Choice>
@@ -20838,7 +20850,7 @@
                     </p:blipFill>
                     <p:spPr bwMode="auto">
                       <a:xfrm>
-                        <a:off x="1874839" y="6054725"/>
+                        <a:off x="1884266" y="5800201"/>
                         <a:ext cx="5907087" cy="279400"/>
                       </a:xfrm>
                       <a:prstGeom prst="rect">
@@ -20891,17 +20903,23 @@
           <p:cNvGraphicFramePr>
             <a:graphicFrameLocks noChangeAspect="1"/>
           </p:cNvGraphicFramePr>
-          <p:nvPr/>
+          <p:nvPr>
+            <p:extLst>
+              <p:ext uri="{D42A27DB-BD31-4B8C-83A1-F6EECF244321}">
+                <p14:modId xmlns:p14="http://schemas.microsoft.com/office/powerpoint/2010/main" val="4008010669"/>
+              </p:ext>
+            </p:extLst>
+          </p:nvPr>
         </p:nvGraphicFramePr>
         <p:xfrm>
-          <a:off x="5835650" y="1844675"/>
+          <a:off x="5845077" y="1590151"/>
           <a:ext cx="4167188" cy="498475"/>
         </p:xfrm>
         <a:graphic>
           <a:graphicData uri="http://schemas.openxmlformats.org/presentationml/2006/ole">
             <mc:AlternateContent xmlns:mc="http://schemas.openxmlformats.org/markup-compatibility/2006">
               <mc:Choice xmlns:v="urn:schemas-microsoft-com:vml" Requires="v">
-                <p:oleObj spid="_x0000_s1168" name="Visio" r:id="rId7" imgW="3503851" imgH="419054" progId="Visio.Drawing.11">
+                <p:oleObj spid="_x0000_s1175" name="Visio" r:id="rId7" imgW="3503851" imgH="419054" progId="Visio.Drawing.11">
                   <p:embed/>
                 </p:oleObj>
               </mc:Choice>
@@ -20931,7 +20949,7 @@
                     </p:blipFill>
                     <p:spPr bwMode="auto">
                       <a:xfrm>
-                        <a:off x="5835650" y="1844675"/>
+                        <a:off x="5845077" y="1590151"/>
                         <a:ext cx="4167188" cy="498475"/>
                       </a:xfrm>
                       <a:prstGeom prst="rect">
@@ -20984,17 +21002,23 @@
           <p:cNvGraphicFramePr>
             <a:graphicFrameLocks noChangeAspect="1"/>
           </p:cNvGraphicFramePr>
-          <p:nvPr/>
+          <p:nvPr>
+            <p:extLst>
+              <p:ext uri="{D42A27DB-BD31-4B8C-83A1-F6EECF244321}">
+                <p14:modId xmlns:p14="http://schemas.microsoft.com/office/powerpoint/2010/main" val="258768152"/>
+              </p:ext>
+            </p:extLst>
+          </p:nvPr>
         </p:nvGraphicFramePr>
         <p:xfrm>
-          <a:off x="1835150" y="3792539"/>
+          <a:off x="1844577" y="3538015"/>
           <a:ext cx="3511550" cy="1152525"/>
         </p:xfrm>
         <a:graphic>
           <a:graphicData uri="http://schemas.openxmlformats.org/presentationml/2006/ole">
             <mc:AlternateContent xmlns:mc="http://schemas.openxmlformats.org/markup-compatibility/2006">
               <mc:Choice xmlns:v="urn:schemas-microsoft-com:vml" Requires="v">
-                <p:oleObj spid="_x0000_s1169" name="Visio" r:id="rId9" imgW="2955211" imgH="969956" progId="Visio.Drawing.11">
+                <p:oleObj spid="_x0000_s1176" name="Visio" r:id="rId9" imgW="2955211" imgH="969956" progId="Visio.Drawing.11">
                   <p:embed/>
                 </p:oleObj>
               </mc:Choice>
@@ -21024,7 +21048,7 @@
                     </p:blipFill>
                     <p:spPr bwMode="auto">
                       <a:xfrm>
-                        <a:off x="1835150" y="3792539"/>
+                        <a:off x="1844577" y="3538015"/>
                         <a:ext cx="3511550" cy="1152525"/>
                       </a:xfrm>
                       <a:prstGeom prst="rect">
@@ -21080,20 +21104,20 @@
           <p:nvPr>
             <p:extLst>
               <p:ext uri="{D42A27DB-BD31-4B8C-83A1-F6EECF244321}">
-                <p14:modId xmlns:p14="http://schemas.microsoft.com/office/powerpoint/2010/main" val="81960923"/>
+                <p14:modId xmlns:p14="http://schemas.microsoft.com/office/powerpoint/2010/main" val="1539168718"/>
               </p:ext>
             </p:extLst>
           </p:nvPr>
         </p:nvGraphicFramePr>
         <p:xfrm>
-          <a:off x="5835650" y="2793148"/>
+          <a:off x="5845077" y="2538624"/>
           <a:ext cx="3622675" cy="498475"/>
         </p:xfrm>
         <a:graphic>
           <a:graphicData uri="http://schemas.openxmlformats.org/presentationml/2006/ole">
             <mc:AlternateContent xmlns:mc="http://schemas.openxmlformats.org/markup-compatibility/2006">
               <mc:Choice xmlns:v="urn:schemas-microsoft-com:vml" Requires="v">
-                <p:oleObj spid="_x0000_s1170" name="Visio" r:id="rId11" imgW="3046651" imgH="419054" progId="Visio.Drawing.11">
+                <p:oleObj spid="_x0000_s1177" name="Visio" r:id="rId11" imgW="3046651" imgH="419054" progId="Visio.Drawing.11">
                   <p:embed/>
                 </p:oleObj>
               </mc:Choice>
@@ -21123,7 +21147,7 @@
                     </p:blipFill>
                     <p:spPr bwMode="auto">
                       <a:xfrm>
-                        <a:off x="5835650" y="2793148"/>
+                        <a:off x="5845077" y="2538624"/>
                         <a:ext cx="3622675" cy="498475"/>
                       </a:xfrm>
                       <a:prstGeom prst="rect">
@@ -21176,17 +21200,23 @@
           <p:cNvGraphicFramePr>
             <a:graphicFrameLocks noChangeAspect="1"/>
           </p:cNvGraphicFramePr>
-          <p:nvPr/>
+          <p:nvPr>
+            <p:extLst>
+              <p:ext uri="{D42A27DB-BD31-4B8C-83A1-F6EECF244321}">
+                <p14:modId xmlns:p14="http://schemas.microsoft.com/office/powerpoint/2010/main" val="2962913265"/>
+              </p:ext>
+            </p:extLst>
+          </p:nvPr>
         </p:nvGraphicFramePr>
         <p:xfrm>
-          <a:off x="1865313" y="5118101"/>
+          <a:off x="1874740" y="4863577"/>
           <a:ext cx="3746500" cy="720725"/>
         </p:xfrm>
         <a:graphic>
           <a:graphicData uri="http://schemas.openxmlformats.org/presentationml/2006/ole">
             <mc:AlternateContent xmlns:mc="http://schemas.openxmlformats.org/markup-compatibility/2006">
               <mc:Choice xmlns:v="urn:schemas-microsoft-com:vml" Requires="v">
-                <p:oleObj spid="_x0000_s1171" name="Visio" r:id="rId13" imgW="3138091" imgH="603048" progId="Visio.Drawing.11">
+                <p:oleObj spid="_x0000_s1178" name="Visio" r:id="rId13" imgW="3138091" imgH="603048" progId="Visio.Drawing.11">
                   <p:embed/>
                 </p:oleObj>
               </mc:Choice>
@@ -21216,7 +21246,7 @@
                     </p:blipFill>
                     <p:spPr bwMode="auto">
                       <a:xfrm>
-                        <a:off x="1865313" y="5118101"/>
+                        <a:off x="1874740" y="4863577"/>
                         <a:ext cx="3746500" cy="720725"/>
                       </a:xfrm>
                       <a:prstGeom prst="rect">
@@ -21273,7 +21303,7 @@
         </p:nvSpPr>
         <p:spPr bwMode="auto">
           <a:xfrm>
-            <a:off x="5684838" y="1500189"/>
+            <a:off x="5694265" y="1245665"/>
             <a:ext cx="0" cy="4397375"/>
           </a:xfrm>
           <a:prstGeom prst="line">
@@ -21320,17 +21350,23 @@
           <p:cNvGraphicFramePr>
             <a:graphicFrameLocks noChangeAspect="1"/>
           </p:cNvGraphicFramePr>
-          <p:nvPr/>
+          <p:nvPr>
+            <p:extLst>
+              <p:ext uri="{D42A27DB-BD31-4B8C-83A1-F6EECF244321}">
+                <p14:modId xmlns:p14="http://schemas.microsoft.com/office/powerpoint/2010/main" val="2407168034"/>
+              </p:ext>
+            </p:extLst>
+          </p:nvPr>
         </p:nvGraphicFramePr>
         <p:xfrm>
-          <a:off x="5807075" y="3919539"/>
+          <a:off x="5816502" y="3665015"/>
           <a:ext cx="4711700" cy="1811337"/>
         </p:xfrm>
         <a:graphic>
           <a:graphicData uri="http://schemas.openxmlformats.org/presentationml/2006/ole">
             <mc:AlternateContent xmlns:mc="http://schemas.openxmlformats.org/markup-compatibility/2006">
               <mc:Choice xmlns:v="urn:schemas-microsoft-com:vml" Requires="v">
-                <p:oleObj spid="_x0000_s1172" name="Visio" r:id="rId15" imgW="3961051" imgH="1522210" progId="Visio.Drawing.11">
+                <p:oleObj spid="_x0000_s1179" name="Visio" r:id="rId15" imgW="3961051" imgH="1522210" progId="Visio.Drawing.11">
                   <p:embed/>
                 </p:oleObj>
               </mc:Choice>
@@ -21360,7 +21396,7 @@
                     </p:blipFill>
                     <p:spPr bwMode="auto">
                       <a:xfrm>
-                        <a:off x="5807075" y="3919539"/>
+                        <a:off x="5816502" y="3665015"/>
                         <a:ext cx="4711700" cy="1811337"/>
                       </a:xfrm>
                       <a:prstGeom prst="rect">
@@ -21560,7 +21596,7 @@
           <a:graphicData uri="http://schemas.openxmlformats.org/presentationml/2006/ole">
             <mc:AlternateContent xmlns:mc="http://schemas.openxmlformats.org/markup-compatibility/2006">
               <mc:Choice xmlns:v="urn:schemas-microsoft-com:vml" Requires="v">
-                <p:oleObj spid="_x0000_s2088" name="Visio" r:id="rId3" imgW="3686731" imgH="601967" progId="Visio.Drawing.11">
+                <p:oleObj spid="_x0000_s2090" name="Visio" r:id="rId3" imgW="3686731" imgH="601967" progId="Visio.Drawing.11">
                   <p:embed/>
                 </p:oleObj>
               </mc:Choice>
@@ -21659,7 +21695,7 @@
           <a:graphicData uri="http://schemas.openxmlformats.org/presentationml/2006/ole">
             <mc:AlternateContent xmlns:mc="http://schemas.openxmlformats.org/markup-compatibility/2006">
               <mc:Choice xmlns:v="urn:schemas-microsoft-com:vml" Requires="v">
-                <p:oleObj spid="_x0000_s2089" name="Visio" r:id="rId5" imgW="3990928" imgH="1247812" progId="Visio.Drawing.11">
+                <p:oleObj spid="_x0000_s2091" name="Visio" r:id="rId5" imgW="3990928" imgH="1247812" progId="Visio.Drawing.11">
                   <p:embed/>
                 </p:oleObj>
               </mc:Choice>
